--- a/Figures/Figure_S3/Figure_S3.pptx
+++ b/Figures/Figure_S3/Figure_S3.pptx
@@ -197,7 +197,7 @@
           <a:p>
             <a:fld id="{ABD72DE5-B6EE-E147-A976-7400C289695F}" type="datetimeFigureOut">
               <a:rPr lang="en-US" smtClean="0"/>
-              <a:t>5/21/23</a:t>
+              <a:t>5/24/23</a:t>
             </a:fld>
             <a:endParaRPr lang="en-US"/>
           </a:p>
@@ -684,7 +684,7 @@
           <a:p>
             <a:fld id="{5829EFD3-DAAF-1A4D-98F0-A61E9156FD54}" type="datetimeFigureOut">
               <a:rPr lang="en-US" smtClean="0"/>
-              <a:t>5/21/23</a:t>
+              <a:t>5/24/23</a:t>
             </a:fld>
             <a:endParaRPr lang="en-US"/>
           </a:p>
@@ -854,7 +854,7 @@
           <a:p>
             <a:fld id="{5829EFD3-DAAF-1A4D-98F0-A61E9156FD54}" type="datetimeFigureOut">
               <a:rPr lang="en-US" smtClean="0"/>
-              <a:t>5/21/23</a:t>
+              <a:t>5/24/23</a:t>
             </a:fld>
             <a:endParaRPr lang="en-US"/>
           </a:p>
@@ -1034,7 +1034,7 @@
           <a:p>
             <a:fld id="{5829EFD3-DAAF-1A4D-98F0-A61E9156FD54}" type="datetimeFigureOut">
               <a:rPr lang="en-US" smtClean="0"/>
-              <a:t>5/21/23</a:t>
+              <a:t>5/24/23</a:t>
             </a:fld>
             <a:endParaRPr lang="en-US"/>
           </a:p>
@@ -1204,7 +1204,7 @@
           <a:p>
             <a:fld id="{5829EFD3-DAAF-1A4D-98F0-A61E9156FD54}" type="datetimeFigureOut">
               <a:rPr lang="en-US" smtClean="0"/>
-              <a:t>5/21/23</a:t>
+              <a:t>5/24/23</a:t>
             </a:fld>
             <a:endParaRPr lang="en-US"/>
           </a:p>
@@ -1448,7 +1448,7 @@
           <a:p>
             <a:fld id="{5829EFD3-DAAF-1A4D-98F0-A61E9156FD54}" type="datetimeFigureOut">
               <a:rPr lang="en-US" smtClean="0"/>
-              <a:t>5/21/23</a:t>
+              <a:t>5/24/23</a:t>
             </a:fld>
             <a:endParaRPr lang="en-US"/>
           </a:p>
@@ -1680,7 +1680,7 @@
           <a:p>
             <a:fld id="{5829EFD3-DAAF-1A4D-98F0-A61E9156FD54}" type="datetimeFigureOut">
               <a:rPr lang="en-US" smtClean="0"/>
-              <a:t>5/21/23</a:t>
+              <a:t>5/24/23</a:t>
             </a:fld>
             <a:endParaRPr lang="en-US"/>
           </a:p>
@@ -2047,7 +2047,7 @@
           <a:p>
             <a:fld id="{5829EFD3-DAAF-1A4D-98F0-A61E9156FD54}" type="datetimeFigureOut">
               <a:rPr lang="en-US" smtClean="0"/>
-              <a:t>5/21/23</a:t>
+              <a:t>5/24/23</a:t>
             </a:fld>
             <a:endParaRPr lang="en-US"/>
           </a:p>
@@ -2165,7 +2165,7 @@
           <a:p>
             <a:fld id="{5829EFD3-DAAF-1A4D-98F0-A61E9156FD54}" type="datetimeFigureOut">
               <a:rPr lang="en-US" smtClean="0"/>
-              <a:t>5/21/23</a:t>
+              <a:t>5/24/23</a:t>
             </a:fld>
             <a:endParaRPr lang="en-US"/>
           </a:p>
@@ -2260,7 +2260,7 @@
           <a:p>
             <a:fld id="{5829EFD3-DAAF-1A4D-98F0-A61E9156FD54}" type="datetimeFigureOut">
               <a:rPr lang="en-US" smtClean="0"/>
-              <a:t>5/21/23</a:t>
+              <a:t>5/24/23</a:t>
             </a:fld>
             <a:endParaRPr lang="en-US"/>
           </a:p>
@@ -2537,7 +2537,7 @@
           <a:p>
             <a:fld id="{5829EFD3-DAAF-1A4D-98F0-A61E9156FD54}" type="datetimeFigureOut">
               <a:rPr lang="en-US" smtClean="0"/>
-              <a:t>5/21/23</a:t>
+              <a:t>5/24/23</a:t>
             </a:fld>
             <a:endParaRPr lang="en-US"/>
           </a:p>
@@ -2794,7 +2794,7 @@
           <a:p>
             <a:fld id="{5829EFD3-DAAF-1A4D-98F0-A61E9156FD54}" type="datetimeFigureOut">
               <a:rPr lang="en-US" smtClean="0"/>
-              <a:t>5/21/23</a:t>
+              <a:t>5/24/23</a:t>
             </a:fld>
             <a:endParaRPr lang="en-US"/>
           </a:p>
@@ -3007,7 +3007,7 @@
           <a:p>
             <a:fld id="{5829EFD3-DAAF-1A4D-98F0-A61E9156FD54}" type="datetimeFigureOut">
               <a:rPr lang="en-US" smtClean="0"/>
-              <a:t>5/21/23</a:t>
+              <a:t>5/24/23</a:t>
             </a:fld>
             <a:endParaRPr lang="en-US"/>
           </a:p>
@@ -3414,10 +3414,10 @@
       </p:grpSpPr>
       <p:pic>
         <p:nvPicPr>
-          <p:cNvPr id="17" name="Picture 16" descr="A picture containing text, diagram, line, screenshot&#10;&#10;Description automatically generated">
+          <p:cNvPr id="5" name="Picture 4" descr="A picture containing text, line, diagram, screenshot&#10;&#10;Description automatically generated">
             <a:extLst>
               <a:ext uri="{FF2B5EF4-FFF2-40B4-BE49-F238E27FC236}">
-                <a16:creationId xmlns:a16="http://schemas.microsoft.com/office/drawing/2014/main" id="{1537CB57-3419-F2A9-F5F0-EA402B4800CB}"/>
+                <a16:creationId xmlns:a16="http://schemas.microsoft.com/office/drawing/2014/main" id="{9AA425E9-E586-F002-703E-A31BFCF0A34B}"/>
               </a:ext>
             </a:extLst>
           </p:cNvPr>
@@ -3434,8 +3434,8 @@
         </p:blipFill>
         <p:spPr>
           <a:xfrm>
-            <a:off x="1631842" y="11986136"/>
-            <a:ext cx="33462596" cy="11754809"/>
+            <a:off x="1608848" y="11986135"/>
+            <a:ext cx="33462595" cy="11754809"/>
           </a:xfrm>
           <a:prstGeom prst="rect">
             <a:avLst/>
@@ -3456,7 +3456,7 @@
         </p:nvSpPr>
         <p:spPr>
           <a:xfrm>
-            <a:off x="12610431" y="21258787"/>
+            <a:off x="12749577" y="21258787"/>
             <a:ext cx="21876779" cy="1973740"/>
           </a:xfrm>
           <a:prstGeom prst="rect">
@@ -3546,12 +3546,146 @@
           </a:p>
         </p:txBody>
       </p:sp>
+      <p:sp>
+        <p:nvSpPr>
+          <p:cNvPr id="25" name="TextBox 24">
+            <a:extLst>
+              <a:ext uri="{FF2B5EF4-FFF2-40B4-BE49-F238E27FC236}">
+                <a16:creationId xmlns:a16="http://schemas.microsoft.com/office/drawing/2014/main" id="{6E94EA8D-8435-C219-3818-5E2176834356}"/>
+              </a:ext>
+            </a:extLst>
+          </p:cNvPr>
+          <p:cNvSpPr txBox="1"/>
+          <p:nvPr/>
+        </p:nvSpPr>
+        <p:spPr>
+          <a:xfrm>
+            <a:off x="562238" y="-391160"/>
+            <a:ext cx="944489" cy="1938992"/>
+          </a:xfrm>
+          <a:prstGeom prst="rect">
+            <a:avLst/>
+          </a:prstGeom>
+          <a:noFill/>
+        </p:spPr>
+        <p:txBody>
+          <a:bodyPr wrap="none" rtlCol="0">
+            <a:spAutoFit/>
+          </a:bodyPr>
+          <a:lstStyle/>
+          <a:p>
+            <a:r>
+              <a:rPr lang="en-US" sz="12000" b="1" dirty="0"/>
+              <a:t>a</a:t>
+            </a:r>
+          </a:p>
+        </p:txBody>
+      </p:sp>
       <p:pic>
         <p:nvPicPr>
-          <p:cNvPr id="22" name="Picture 21" descr="A green line and orange line&#10;&#10;Description automatically generated with low confidence">
+          <p:cNvPr id="6" name="Picture 5" descr="A picture containing diagram, line, plot, screenshot&#10;&#10;Description automatically generated">
             <a:extLst>
               <a:ext uri="{FF2B5EF4-FFF2-40B4-BE49-F238E27FC236}">
-                <a16:creationId xmlns:a16="http://schemas.microsoft.com/office/drawing/2014/main" id="{9D752313-7F66-956E-08BD-161973D32B31}"/>
+                <a16:creationId xmlns:a16="http://schemas.microsoft.com/office/drawing/2014/main" id="{9266A423-807F-AB6C-B441-CD041D73CF98}"/>
+              </a:ext>
+            </a:extLst>
+          </p:cNvPr>
+          <p:cNvPicPr>
+            <a:picLocks noChangeAspect="1"/>
+          </p:cNvPicPr>
+          <p:nvPr/>
+        </p:nvPicPr>
+        <p:blipFill rotWithShape="1">
+          <a:blip r:embed="rId4"/>
+          <a:srcRect b="4509"/>
+          <a:stretch/>
+        </p:blipFill>
+        <p:spPr>
+          <a:xfrm>
+            <a:off x="1627596" y="1327407"/>
+            <a:ext cx="33462595" cy="11224812"/>
+          </a:xfrm>
+          <a:prstGeom prst="rect">
+            <a:avLst/>
+          </a:prstGeom>
+        </p:spPr>
+      </p:pic>
+      <p:sp>
+        <p:nvSpPr>
+          <p:cNvPr id="7" name="TextBox 6">
+            <a:extLst>
+              <a:ext uri="{FF2B5EF4-FFF2-40B4-BE49-F238E27FC236}">
+                <a16:creationId xmlns:a16="http://schemas.microsoft.com/office/drawing/2014/main" id="{BB892FB7-3847-318F-DAC1-30B54B997244}"/>
+              </a:ext>
+            </a:extLst>
+          </p:cNvPr>
+          <p:cNvSpPr txBox="1"/>
+          <p:nvPr/>
+        </p:nvSpPr>
+        <p:spPr>
+          <a:xfrm>
+            <a:off x="1796679" y="861001"/>
+            <a:ext cx="1226618" cy="1200329"/>
+          </a:xfrm>
+          <a:prstGeom prst="rect">
+            <a:avLst/>
+          </a:prstGeom>
+          <a:noFill/>
+        </p:spPr>
+        <p:txBody>
+          <a:bodyPr wrap="none" rtlCol="0">
+            <a:spAutoFit/>
+          </a:bodyPr>
+          <a:lstStyle/>
+          <a:p>
+            <a:r>
+              <a:rPr lang="en-US" sz="7200" b="1" dirty="0"/>
+              <a:t>(1)</a:t>
+            </a:r>
+          </a:p>
+        </p:txBody>
+      </p:sp>
+      <p:sp>
+        <p:nvSpPr>
+          <p:cNvPr id="8" name="TextBox 7">
+            <a:extLst>
+              <a:ext uri="{FF2B5EF4-FFF2-40B4-BE49-F238E27FC236}">
+                <a16:creationId xmlns:a16="http://schemas.microsoft.com/office/drawing/2014/main" id="{59922BD5-F1B3-3D83-D2BD-9A9EA53376C7}"/>
+              </a:ext>
+            </a:extLst>
+          </p:cNvPr>
+          <p:cNvSpPr txBox="1"/>
+          <p:nvPr/>
+        </p:nvSpPr>
+        <p:spPr>
+          <a:xfrm>
+            <a:off x="1796679" y="11282922"/>
+            <a:ext cx="1226618" cy="1200329"/>
+          </a:xfrm>
+          <a:prstGeom prst="rect">
+            <a:avLst/>
+          </a:prstGeom>
+          <a:noFill/>
+        </p:spPr>
+        <p:txBody>
+          <a:bodyPr wrap="none" rtlCol="0">
+            <a:spAutoFit/>
+          </a:bodyPr>
+          <a:lstStyle/>
+          <a:p>
+            <a:r>
+              <a:rPr lang="en-US" sz="7200" b="1" dirty="0"/>
+              <a:t>(2)</a:t>
+            </a:r>
+          </a:p>
+        </p:txBody>
+      </p:sp>
+      <p:pic>
+        <p:nvPicPr>
+          <p:cNvPr id="12" name="Picture 11" descr="A green line and orange line&#10;&#10;Description automatically generated with low confidence">
+            <a:extLst>
+              <a:ext uri="{FF2B5EF4-FFF2-40B4-BE49-F238E27FC236}">
+                <a16:creationId xmlns:a16="http://schemas.microsoft.com/office/drawing/2014/main" id="{F5B9A1A0-211F-E63C-5FF1-0E95526C6F63}"/>
               </a:ext>
             </a:extLst>
           </p:cNvPr>
@@ -3561,14 +3695,14 @@
           <p:nvPr/>
         </p:nvPicPr>
         <p:blipFill>
-          <a:blip r:embed="rId4"/>
+          <a:blip r:embed="rId5"/>
           <a:stretch>
             <a:fillRect/>
           </a:stretch>
         </p:blipFill>
         <p:spPr>
           <a:xfrm>
-            <a:off x="1180933" y="22747864"/>
+            <a:off x="1264061" y="22747864"/>
             <a:ext cx="34469576" cy="8617394"/>
           </a:xfrm>
           <a:prstGeom prst="rect">
@@ -3578,10 +3712,10 @@
       </p:pic>
       <p:sp>
         <p:nvSpPr>
-          <p:cNvPr id="23" name="TextBox 22">
+          <p:cNvPr id="13" name="TextBox 12">
             <a:extLst>
               <a:ext uri="{FF2B5EF4-FFF2-40B4-BE49-F238E27FC236}">
-                <a16:creationId xmlns:a16="http://schemas.microsoft.com/office/drawing/2014/main" id="{32E2DC1E-B34B-FCF7-30C0-F12722B822B9}"/>
+                <a16:creationId xmlns:a16="http://schemas.microsoft.com/office/drawing/2014/main" id="{E4A87F55-BEA6-3274-6F0D-E7819C061619}"/>
               </a:ext>
             </a:extLst>
           </p:cNvPr>
@@ -3607,140 +3741,6 @@
             <a:r>
               <a:rPr lang="en-US" sz="12000" b="1" dirty="0"/>
               <a:t>b</a:t>
-            </a:r>
-          </a:p>
-        </p:txBody>
-      </p:sp>
-      <p:pic>
-        <p:nvPicPr>
-          <p:cNvPr id="24" name="Picture 23" descr="A picture containing diagram, plot, line, text&#10;&#10;Description automatically generated">
-            <a:extLst>
-              <a:ext uri="{FF2B5EF4-FFF2-40B4-BE49-F238E27FC236}">
-                <a16:creationId xmlns:a16="http://schemas.microsoft.com/office/drawing/2014/main" id="{E9CE0367-136E-A070-5663-EEAB02DC5339}"/>
-              </a:ext>
-            </a:extLst>
-          </p:cNvPr>
-          <p:cNvPicPr>
-            <a:picLocks noChangeAspect="1"/>
-          </p:cNvPicPr>
-          <p:nvPr/>
-        </p:nvPicPr>
-        <p:blipFill rotWithShape="1">
-          <a:blip r:embed="rId5"/>
-          <a:srcRect b="4196"/>
-          <a:stretch/>
-        </p:blipFill>
-        <p:spPr>
-          <a:xfrm>
-            <a:off x="1609027" y="1327406"/>
-            <a:ext cx="33462596" cy="11261544"/>
-          </a:xfrm>
-          <a:prstGeom prst="rect">
-            <a:avLst/>
-          </a:prstGeom>
-        </p:spPr>
-      </p:pic>
-      <p:sp>
-        <p:nvSpPr>
-          <p:cNvPr id="25" name="TextBox 24">
-            <a:extLst>
-              <a:ext uri="{FF2B5EF4-FFF2-40B4-BE49-F238E27FC236}">
-                <a16:creationId xmlns:a16="http://schemas.microsoft.com/office/drawing/2014/main" id="{6E94EA8D-8435-C219-3818-5E2176834356}"/>
-              </a:ext>
-            </a:extLst>
-          </p:cNvPr>
-          <p:cNvSpPr txBox="1"/>
-          <p:nvPr/>
-        </p:nvSpPr>
-        <p:spPr>
-          <a:xfrm>
-            <a:off x="562238" y="-391160"/>
-            <a:ext cx="944489" cy="1938992"/>
-          </a:xfrm>
-          <a:prstGeom prst="rect">
-            <a:avLst/>
-          </a:prstGeom>
-          <a:noFill/>
-        </p:spPr>
-        <p:txBody>
-          <a:bodyPr wrap="none" rtlCol="0">
-            <a:spAutoFit/>
-          </a:bodyPr>
-          <a:lstStyle/>
-          <a:p>
-            <a:r>
-              <a:rPr lang="en-US" sz="12000" b="1" dirty="0"/>
-              <a:t>a</a:t>
-            </a:r>
-          </a:p>
-        </p:txBody>
-      </p:sp>
-      <p:sp>
-        <p:nvSpPr>
-          <p:cNvPr id="26" name="TextBox 25">
-            <a:extLst>
-              <a:ext uri="{FF2B5EF4-FFF2-40B4-BE49-F238E27FC236}">
-                <a16:creationId xmlns:a16="http://schemas.microsoft.com/office/drawing/2014/main" id="{F8B0E8D7-B38D-B780-A74C-50423301806F}"/>
-              </a:ext>
-            </a:extLst>
-          </p:cNvPr>
-          <p:cNvSpPr txBox="1"/>
-          <p:nvPr/>
-        </p:nvSpPr>
-        <p:spPr>
-          <a:xfrm>
-            <a:off x="1796679" y="861001"/>
-            <a:ext cx="1226618" cy="1200329"/>
-          </a:xfrm>
-          <a:prstGeom prst="rect">
-            <a:avLst/>
-          </a:prstGeom>
-          <a:noFill/>
-        </p:spPr>
-        <p:txBody>
-          <a:bodyPr wrap="none" rtlCol="0">
-            <a:spAutoFit/>
-          </a:bodyPr>
-          <a:lstStyle/>
-          <a:p>
-            <a:r>
-              <a:rPr lang="en-US" sz="7200" b="1" dirty="0"/>
-              <a:t>(1)</a:t>
-            </a:r>
-          </a:p>
-        </p:txBody>
-      </p:sp>
-      <p:sp>
-        <p:nvSpPr>
-          <p:cNvPr id="27" name="TextBox 26">
-            <a:extLst>
-              <a:ext uri="{FF2B5EF4-FFF2-40B4-BE49-F238E27FC236}">
-                <a16:creationId xmlns:a16="http://schemas.microsoft.com/office/drawing/2014/main" id="{C684E745-9F5A-E1A5-DC50-BCF33F03FCEE}"/>
-              </a:ext>
-            </a:extLst>
-          </p:cNvPr>
-          <p:cNvSpPr txBox="1"/>
-          <p:nvPr/>
-        </p:nvSpPr>
-        <p:spPr>
-          <a:xfrm>
-            <a:off x="1796679" y="11282922"/>
-            <a:ext cx="1226618" cy="1200329"/>
-          </a:xfrm>
-          <a:prstGeom prst="rect">
-            <a:avLst/>
-          </a:prstGeom>
-          <a:noFill/>
-        </p:spPr>
-        <p:txBody>
-          <a:bodyPr wrap="none" rtlCol="0">
-            <a:spAutoFit/>
-          </a:bodyPr>
-          <a:lstStyle/>
-          <a:p>
-            <a:r>
-              <a:rPr lang="en-US" sz="7200" b="1" dirty="0"/>
-              <a:t>(2)</a:t>
             </a:r>
           </a:p>
         </p:txBody>
